--- a/Burndown & Velocity/Cycle 4/V4.6.1 [2022-03-12] Burndown Velocity Sprint 4-6.pptx
+++ b/Burndown & Velocity/Cycle 4/V4.6.1 [2022-03-12] Burndown Velocity Sprint 4-6.pptx
@@ -1281,6 +1281,48 @@
                 </c:ext>
               </c:extLst>
             </c:dLbl>
+            <c:dLbl>
+              <c:idx val="4"/>
+              <c:layout>
+                <c:manualLayout>
+                  <c:x val="-1.8750000000000114E-2"/>
+                  <c:y val="-2.8124998269869694E-2"/>
+                </c:manualLayout>
+              </c:layout>
+              <c:showLegendKey val="0"/>
+              <c:showVal val="1"/>
+              <c:showCatName val="0"/>
+              <c:showSerName val="0"/>
+              <c:showPercent val="0"/>
+              <c:showBubbleSize val="0"/>
+              <c:extLst>
+                <c:ext xmlns:c15="http://schemas.microsoft.com/office/drawing/2012/chart" uri="{CE6537A1-D6FC-4f65-9D91-7224C49458BB}"/>
+                <c:ext xmlns:c16="http://schemas.microsoft.com/office/drawing/2014/chart" uri="{C3380CC4-5D6E-409C-BE32-E72D297353CC}">
+                  <c16:uniqueId val="{00000002-5A88-4748-B67D-75765572B2F4}"/>
+                </c:ext>
+              </c:extLst>
+            </c:dLbl>
+            <c:dLbl>
+              <c:idx val="5"/>
+              <c:layout>
+                <c:manualLayout>
+                  <c:x val="-2.6562499999999999E-2"/>
+                  <c:y val="-1.1718749279112373E-2"/>
+                </c:manualLayout>
+              </c:layout>
+              <c:showLegendKey val="0"/>
+              <c:showVal val="1"/>
+              <c:showCatName val="0"/>
+              <c:showSerName val="0"/>
+              <c:showPercent val="0"/>
+              <c:showBubbleSize val="0"/>
+              <c:extLst>
+                <c:ext xmlns:c15="http://schemas.microsoft.com/office/drawing/2012/chart" uri="{CE6537A1-D6FC-4f65-9D91-7224C49458BB}"/>
+                <c:ext xmlns:c16="http://schemas.microsoft.com/office/drawing/2014/chart" uri="{C3380CC4-5D6E-409C-BE32-E72D297353CC}">
+                  <c16:uniqueId val="{00000004-5A88-4748-B67D-75765572B2F4}"/>
+                </c:ext>
+              </c:extLst>
+            </c:dLbl>
             <c:spPr>
               <a:noFill/>
               <a:ln>
@@ -1452,6 +1494,50 @@
                 <c:ext xmlns:c15="http://schemas.microsoft.com/office/drawing/2012/chart" uri="{CE6537A1-D6FC-4f65-9D91-7224C49458BB}"/>
                 <c:ext xmlns:c16="http://schemas.microsoft.com/office/drawing/2014/chart" uri="{C3380CC4-5D6E-409C-BE32-E72D297353CC}">
                   <c16:uniqueId val="{00000001-3B41-4507-AFF3-819D323FC5A1}"/>
+                </c:ext>
+              </c:extLst>
+            </c:dLbl>
+            <c:dLbl>
+              <c:idx val="4"/>
+              <c:layout>
+                <c:manualLayout>
+                  <c:x val="-2.3179749015748031E-2"/>
+                  <c:y val="2.8201216276992108E-2"/>
+                </c:manualLayout>
+              </c:layout>
+              <c:dLblPos val="r"/>
+              <c:showLegendKey val="0"/>
+              <c:showVal val="1"/>
+              <c:showCatName val="0"/>
+              <c:showSerName val="0"/>
+              <c:showPercent val="0"/>
+              <c:showBubbleSize val="0"/>
+              <c:extLst>
+                <c:ext xmlns:c15="http://schemas.microsoft.com/office/drawing/2012/chart" uri="{CE6537A1-D6FC-4f65-9D91-7224C49458BB}"/>
+                <c:ext xmlns:c16="http://schemas.microsoft.com/office/drawing/2014/chart" uri="{C3380CC4-5D6E-409C-BE32-E72D297353CC}">
+                  <c16:uniqueId val="{00000001-5A88-4748-B67D-75765572B2F4}"/>
+                </c:ext>
+              </c:extLst>
+            </c:dLbl>
+            <c:dLbl>
+              <c:idx val="5"/>
+              <c:layout>
+                <c:manualLayout>
+                  <c:x val="-1.5367249015748031E-2"/>
+                  <c:y val="2.3513716565347158E-2"/>
+                </c:manualLayout>
+              </c:layout>
+              <c:dLblPos val="r"/>
+              <c:showLegendKey val="0"/>
+              <c:showVal val="1"/>
+              <c:showCatName val="0"/>
+              <c:showSerName val="0"/>
+              <c:showPercent val="0"/>
+              <c:showBubbleSize val="0"/>
+              <c:extLst>
+                <c:ext xmlns:c15="http://schemas.microsoft.com/office/drawing/2012/chart" uri="{CE6537A1-D6FC-4f65-9D91-7224C49458BB}"/>
+                <c:ext xmlns:c16="http://schemas.microsoft.com/office/drawing/2014/chart" uri="{C3380CC4-5D6E-409C-BE32-E72D297353CC}">
+                  <c16:uniqueId val="{00000003-5A88-4748-B67D-75765572B2F4}"/>
                 </c:ext>
               </c:extLst>
             </c:dLbl>
@@ -3000,7 +3086,7 @@
           <a:p>
             <a:fld id="{12C3E8BB-F70B-41C7-A2C4-69BE80B44BDC}" type="datetimeFigureOut">
               <a:rPr lang="th-TH" smtClean="0"/>
-              <a:t>12/03/65</a:t>
+              <a:t>19/03/65</a:t>
             </a:fld>
             <a:endParaRPr lang="th-TH"/>
           </a:p>
@@ -3198,7 +3284,7 @@
           <a:p>
             <a:fld id="{12C3E8BB-F70B-41C7-A2C4-69BE80B44BDC}" type="datetimeFigureOut">
               <a:rPr lang="th-TH" smtClean="0"/>
-              <a:t>12/03/65</a:t>
+              <a:t>19/03/65</a:t>
             </a:fld>
             <a:endParaRPr lang="th-TH"/>
           </a:p>
@@ -3406,7 +3492,7 @@
           <a:p>
             <a:fld id="{12C3E8BB-F70B-41C7-A2C4-69BE80B44BDC}" type="datetimeFigureOut">
               <a:rPr lang="th-TH" smtClean="0"/>
-              <a:t>12/03/65</a:t>
+              <a:t>19/03/65</a:t>
             </a:fld>
             <a:endParaRPr lang="th-TH"/>
           </a:p>
@@ -3604,7 +3690,7 @@
           <a:p>
             <a:fld id="{12C3E8BB-F70B-41C7-A2C4-69BE80B44BDC}" type="datetimeFigureOut">
               <a:rPr lang="th-TH" smtClean="0"/>
-              <a:t>12/03/65</a:t>
+              <a:t>19/03/65</a:t>
             </a:fld>
             <a:endParaRPr lang="th-TH"/>
           </a:p>
@@ -3879,7 +3965,7 @@
           <a:p>
             <a:fld id="{12C3E8BB-F70B-41C7-A2C4-69BE80B44BDC}" type="datetimeFigureOut">
               <a:rPr lang="th-TH" smtClean="0"/>
-              <a:t>12/03/65</a:t>
+              <a:t>19/03/65</a:t>
             </a:fld>
             <a:endParaRPr lang="th-TH"/>
           </a:p>
@@ -4144,7 +4230,7 @@
           <a:p>
             <a:fld id="{12C3E8BB-F70B-41C7-A2C4-69BE80B44BDC}" type="datetimeFigureOut">
               <a:rPr lang="th-TH" smtClean="0"/>
-              <a:t>12/03/65</a:t>
+              <a:t>19/03/65</a:t>
             </a:fld>
             <a:endParaRPr lang="th-TH"/>
           </a:p>
@@ -4556,7 +4642,7 @@
           <a:p>
             <a:fld id="{12C3E8BB-F70B-41C7-A2C4-69BE80B44BDC}" type="datetimeFigureOut">
               <a:rPr lang="th-TH" smtClean="0"/>
-              <a:t>12/03/65</a:t>
+              <a:t>19/03/65</a:t>
             </a:fld>
             <a:endParaRPr lang="th-TH"/>
           </a:p>
@@ -4697,7 +4783,7 @@
           <a:p>
             <a:fld id="{12C3E8BB-F70B-41C7-A2C4-69BE80B44BDC}" type="datetimeFigureOut">
               <a:rPr lang="th-TH" smtClean="0"/>
-              <a:t>12/03/65</a:t>
+              <a:t>19/03/65</a:t>
             </a:fld>
             <a:endParaRPr lang="th-TH"/>
           </a:p>
@@ -4810,7 +4896,7 @@
           <a:p>
             <a:fld id="{12C3E8BB-F70B-41C7-A2C4-69BE80B44BDC}" type="datetimeFigureOut">
               <a:rPr lang="th-TH" smtClean="0"/>
-              <a:t>12/03/65</a:t>
+              <a:t>19/03/65</a:t>
             </a:fld>
             <a:endParaRPr lang="th-TH"/>
           </a:p>
@@ -5121,7 +5207,7 @@
           <a:p>
             <a:fld id="{12C3E8BB-F70B-41C7-A2C4-69BE80B44BDC}" type="datetimeFigureOut">
               <a:rPr lang="th-TH" smtClean="0"/>
-              <a:t>12/03/65</a:t>
+              <a:t>19/03/65</a:t>
             </a:fld>
             <a:endParaRPr lang="th-TH"/>
           </a:p>
@@ -5409,7 +5495,7 @@
           <a:p>
             <a:fld id="{12C3E8BB-F70B-41C7-A2C4-69BE80B44BDC}" type="datetimeFigureOut">
               <a:rPr lang="th-TH" smtClean="0"/>
-              <a:t>12/03/65</a:t>
+              <a:t>19/03/65</a:t>
             </a:fld>
             <a:endParaRPr lang="th-TH"/>
           </a:p>
@@ -5650,7 +5736,7 @@
           <a:p>
             <a:fld id="{12C3E8BB-F70B-41C7-A2C4-69BE80B44BDC}" type="datetimeFigureOut">
               <a:rPr lang="th-TH" smtClean="0"/>
-              <a:t>12/03/65</a:t>
+              <a:t>19/03/65</a:t>
             </a:fld>
             <a:endParaRPr lang="th-TH"/>
           </a:p>
@@ -6080,7 +6166,7 @@
           <p:nvPr>
             <p:extLst>
               <p:ext uri="{D42A27DB-BD31-4B8C-83A1-F6EECF244321}">
-                <p14:modId xmlns:p14="http://schemas.microsoft.com/office/powerpoint/2010/main" val="3178486182"/>
+                <p14:modId xmlns:p14="http://schemas.microsoft.com/office/powerpoint/2010/main" val="305944583"/>
               </p:ext>
             </p:extLst>
           </p:nvPr>
@@ -6138,7 +6224,7 @@
           <p:nvPr>
             <p:extLst>
               <p:ext uri="{D42A27DB-BD31-4B8C-83A1-F6EECF244321}">
-                <p14:modId xmlns:p14="http://schemas.microsoft.com/office/powerpoint/2010/main" val="43994745"/>
+                <p14:modId xmlns:p14="http://schemas.microsoft.com/office/powerpoint/2010/main" val="2706622472"/>
               </p:ext>
             </p:extLst>
           </p:nvPr>
